--- a/Day 8 - HTML – Continued.pptx
+++ b/Day 8 - HTML – Continued.pptx
@@ -114,6 +114,11 @@
       </a:defRPr>
     </a:lvl9pPr>
   </p:defaultTextStyle>
+  <p:extLst>
+    <p:ext uri="{EFAFB233-063F-42B5-8137-9DF3F51BA10A}">
+      <p15:sldGuideLst xmlns:p15="http://schemas.microsoft.com/office/powerpoint/2012/main"/>
+    </p:ext>
+  </p:extLst>
 </p:presentation>
 </file>
 
@@ -6052,6 +6057,13 @@
   <p:clrMapOvr>
     <a:masterClrMapping/>
   </p:clrMapOvr>
+  <p:timing>
+    <p:tnLst>
+      <p:par>
+        <p:cTn id="1" dur="indefinite" restart="never" nodeType="tmRoot"/>
+      </p:par>
+    </p:tnLst>
+  </p:timing>
 </p:sld>
 </file>
 
@@ -6177,6 +6189,13 @@
   <p:clrMapOvr>
     <a:masterClrMapping/>
   </p:clrMapOvr>
+  <p:timing>
+    <p:tnLst>
+      <p:par>
+        <p:cTn id="1" dur="indefinite" restart="never" nodeType="tmRoot"/>
+      </p:par>
+    </p:tnLst>
+  </p:timing>
 </p:sld>
 </file>
 
@@ -6363,6 +6382,13 @@
   <p:clrMapOvr>
     <a:masterClrMapping/>
   </p:clrMapOvr>
+  <p:timing>
+    <p:tnLst>
+      <p:par>
+        <p:cTn id="1" dur="indefinite" restart="never" nodeType="tmRoot"/>
+      </p:par>
+    </p:tnLst>
+  </p:timing>
 </p:sld>
 </file>
 
@@ -6474,6 +6500,13 @@
   <p:clrMapOvr>
     <a:masterClrMapping/>
   </p:clrMapOvr>
+  <p:timing>
+    <p:tnLst>
+      <p:par>
+        <p:cTn id="1" dur="indefinite" restart="never" nodeType="tmRoot"/>
+      </p:par>
+    </p:tnLst>
+  </p:timing>
 </p:sld>
 </file>
 
@@ -6670,6 +6703,13 @@
   <p:clrMapOvr>
     <a:masterClrMapping/>
   </p:clrMapOvr>
+  <p:timing>
+    <p:tnLst>
+      <p:par>
+        <p:cTn id="1" dur="indefinite" restart="never" nodeType="tmRoot"/>
+      </p:par>
+    </p:tnLst>
+  </p:timing>
 </p:sld>
 </file>
 
@@ -6821,6 +6861,13 @@
   <p:clrMapOvr>
     <a:masterClrMapping/>
   </p:clrMapOvr>
+  <p:timing>
+    <p:tnLst>
+      <p:par>
+        <p:cTn id="1" dur="indefinite" restart="never" nodeType="tmRoot"/>
+      </p:par>
+    </p:tnLst>
+  </p:timing>
 </p:sld>
 </file>
 
@@ -7054,6 +7101,13 @@
   <p:clrMapOvr>
     <a:masterClrMapping/>
   </p:clrMapOvr>
+  <p:timing>
+    <p:tnLst>
+      <p:par>
+        <p:cTn id="1" dur="indefinite" restart="never" nodeType="tmRoot"/>
+      </p:par>
+    </p:tnLst>
+  </p:timing>
 </p:sld>
 </file>
 
@@ -7275,6 +7329,13 @@
   <p:clrMapOvr>
     <a:masterClrMapping/>
   </p:clrMapOvr>
+  <p:timing>
+    <p:tnLst>
+      <p:par>
+        <p:cTn id="1" dur="indefinite" restart="never" nodeType="tmRoot"/>
+      </p:par>
+    </p:tnLst>
+  </p:timing>
 </p:sld>
 </file>
 
@@ -7582,6 +7643,13 @@
   <p:clrMapOvr>
     <a:masterClrMapping/>
   </p:clrMapOvr>
+  <p:timing>
+    <p:tnLst>
+      <p:par>
+        <p:cTn id="1" dur="indefinite" restart="never" nodeType="tmRoot"/>
+      </p:par>
+    </p:tnLst>
+  </p:timing>
 </p:sld>
 </file>
 
@@ -7724,6 +7792,13 @@
   <p:clrMapOvr>
     <a:masterClrMapping/>
   </p:clrMapOvr>
+  <p:timing>
+    <p:tnLst>
+      <p:par>
+        <p:cTn id="1" dur="indefinite" restart="never" nodeType="tmRoot"/>
+      </p:par>
+    </p:tnLst>
+  </p:timing>
 </p:sld>
 </file>
 
@@ -7777,9 +7852,17 @@
             <a:br>
               <a:rPr lang="en-US" dirty="0"/>
             </a:br>
+            <a:r>
+              <a:rPr lang="en-US" dirty="0"/>
+              <a:t/>
+            </a:r>
             <a:br>
               <a:rPr lang="en-US" dirty="0"/>
             </a:br>
+            <a:r>
+              <a:rPr lang="en-US" dirty="0"/>
+              <a:t/>
+            </a:r>
             <a:br>
               <a:rPr lang="en-US" dirty="0"/>
             </a:br>
@@ -7869,6 +7952,13 @@
   <p:clrMapOvr>
     <a:masterClrMapping/>
   </p:clrMapOvr>
+  <p:timing>
+    <p:tnLst>
+      <p:par>
+        <p:cTn id="1" dur="indefinite" restart="never" nodeType="tmRoot"/>
+      </p:par>
+    </p:tnLst>
+  </p:timing>
 </p:sld>
 </file>
 
